--- a/Function_Decomposition_Halved_NN/Halved NN Function Prediction.pptx
+++ b/Function_Decomposition_Halved_NN/Halved NN Function Prediction.pptx
@@ -110,6 +110,11 @@
       </a:defRPr>
     </a:lvl9pPr>
   </p:defaultTextStyle>
+  <p:extLst>
+    <p:ext uri="{EFAFB233-063F-42B5-8137-9DF3F51BA10A}">
+      <p15:sldGuideLst xmlns:p15="http://schemas.microsoft.com/office/powerpoint/2012/main"/>
+    </p:ext>
+  </p:extLst>
 </p:presentation>
 </file>
 
@@ -4333,10 +4338,21 @@
         </p:nvSpPr>
         <p:spPr/>
         <p:txBody>
-          <a:bodyPr/>
+          <a:bodyPr>
+            <a:normAutofit/>
+          </a:bodyPr>
           <a:lstStyle/>
           <a:p>
-            <a:endParaRPr lang="en-IL" dirty="0"/>
+            <a:pPr marL="0" indent="0" algn="ctr">
+              <a:buNone/>
+            </a:pPr>
+            <a:r>
+              <a:rPr lang="en-US" sz="1800" dirty="0">
+                <a:hlinkClick r:id="rId2"/>
+              </a:rPr>
+              <a:t>https://github.com/YuvalAlf/Deconstructing_Neural_Networks/tree/master/Function_Decomposition_Halved_NN</a:t>
+            </a:r>
+            <a:endParaRPr lang="en-IL" sz="1800" dirty="0"/>
           </a:p>
         </p:txBody>
       </p:sp>
@@ -4400,8 +4416,8 @@
           </a:p>
         </p:txBody>
       </p:sp>
-      <mc:AlternateContent xmlns:mc="http://schemas.openxmlformats.org/markup-compatibility/2006">
-        <mc:Choice xmlns:a14="http://schemas.microsoft.com/office/drawing/2010/main" Requires="a14">
+      <mc:AlternateContent xmlns:mc="http://schemas.openxmlformats.org/markup-compatibility/2006" xmlns:a14="http://schemas.microsoft.com/office/drawing/2010/main">
+        <mc:Choice Requires="a14">
           <p:sp>
             <p:nvSpPr>
               <p:cNvPr id="3" name="Content Placeholder 2">
@@ -4947,7 +4963,7 @@
             </p:txBody>
           </p:sp>
         </mc:Choice>
-        <mc:Fallback>
+        <mc:Fallback xmlns="">
           <p:sp>
             <p:nvSpPr>
               <p:cNvPr id="3" name="Content Placeholder 2">
@@ -5067,8 +5083,8 @@
             <a:chExt cx="360000" cy="1666501"/>
           </a:xfrm>
         </p:grpSpPr>
-        <mc:AlternateContent xmlns:mc="http://schemas.openxmlformats.org/markup-compatibility/2006">
-          <mc:Choice xmlns:a14="http://schemas.microsoft.com/office/drawing/2010/main" Requires="a14">
+        <mc:AlternateContent xmlns:mc="http://schemas.openxmlformats.org/markup-compatibility/2006" xmlns:a14="http://schemas.microsoft.com/office/drawing/2010/main">
+          <mc:Choice Requires="a14">
             <p:sp>
               <p:nvSpPr>
                 <p:cNvPr id="4" name="Oval 3">
@@ -5183,7 +5199,7 @@
               </p:txBody>
             </p:sp>
           </mc:Choice>
-          <mc:Fallback>
+          <mc:Fallback xmlns="">
             <p:sp>
               <p:nvSpPr>
                 <p:cNvPr id="4" name="Oval 3">
@@ -5235,8 +5251,8 @@
             </p:sp>
           </mc:Fallback>
         </mc:AlternateContent>
-        <mc:AlternateContent xmlns:mc="http://schemas.openxmlformats.org/markup-compatibility/2006">
-          <mc:Choice xmlns:a14="http://schemas.microsoft.com/office/drawing/2010/main" Requires="a14">
+        <mc:AlternateContent xmlns:mc="http://schemas.openxmlformats.org/markup-compatibility/2006" xmlns:a14="http://schemas.microsoft.com/office/drawing/2010/main">
+          <mc:Choice Requires="a14">
             <p:sp>
               <p:nvSpPr>
                 <p:cNvPr id="5" name="Oval 4">
@@ -5351,7 +5367,7 @@
               </p:txBody>
             </p:sp>
           </mc:Choice>
-          <mc:Fallback>
+          <mc:Fallback xmlns="">
             <p:sp>
               <p:nvSpPr>
                 <p:cNvPr id="5" name="Oval 4">
@@ -5403,8 +5419,8 @@
             </p:sp>
           </mc:Fallback>
         </mc:AlternateContent>
-        <mc:AlternateContent xmlns:mc="http://schemas.openxmlformats.org/markup-compatibility/2006">
-          <mc:Choice xmlns:a14="http://schemas.microsoft.com/office/drawing/2010/main" Requires="a14">
+        <mc:AlternateContent xmlns:mc="http://schemas.openxmlformats.org/markup-compatibility/2006" xmlns:a14="http://schemas.microsoft.com/office/drawing/2010/main">
+          <mc:Choice Requires="a14">
             <p:sp>
               <p:nvSpPr>
                 <p:cNvPr id="6" name="Oval 5">
@@ -5519,7 +5535,7 @@
               </p:txBody>
             </p:sp>
           </mc:Choice>
-          <mc:Fallback>
+          <mc:Fallback xmlns="">
             <p:sp>
               <p:nvSpPr>
                 <p:cNvPr id="6" name="Oval 5">
@@ -5571,8 +5587,8 @@
             </p:sp>
           </mc:Fallback>
         </mc:AlternateContent>
-        <mc:AlternateContent xmlns:mc="http://schemas.openxmlformats.org/markup-compatibility/2006">
-          <mc:Choice xmlns:a14="http://schemas.microsoft.com/office/drawing/2010/main" Requires="a14">
+        <mc:AlternateContent xmlns:mc="http://schemas.openxmlformats.org/markup-compatibility/2006" xmlns:a14="http://schemas.microsoft.com/office/drawing/2010/main">
+          <mc:Choice Requires="a14">
             <p:sp>
               <p:nvSpPr>
                 <p:cNvPr id="7" name="Oval 6">
@@ -5687,7 +5703,7 @@
               </p:txBody>
             </p:sp>
           </mc:Choice>
-          <mc:Fallback>
+          <mc:Fallback xmlns="">
             <p:sp>
               <p:nvSpPr>
                 <p:cNvPr id="7" name="Oval 6">
@@ -6708,8 +6724,8 @@
             <a:chExt cx="360000" cy="1666501"/>
           </a:xfrm>
         </p:grpSpPr>
-        <mc:AlternateContent xmlns:mc="http://schemas.openxmlformats.org/markup-compatibility/2006">
-          <mc:Choice xmlns:a14="http://schemas.microsoft.com/office/drawing/2010/main" Requires="a14">
+        <mc:AlternateContent xmlns:mc="http://schemas.openxmlformats.org/markup-compatibility/2006" xmlns:a14="http://schemas.microsoft.com/office/drawing/2010/main">
+          <mc:Choice Requires="a14">
             <p:sp>
               <p:nvSpPr>
                 <p:cNvPr id="68" name="Oval 67">
@@ -6824,7 +6840,7 @@
               </p:txBody>
             </p:sp>
           </mc:Choice>
-          <mc:Fallback>
+          <mc:Fallback xmlns="">
             <p:sp>
               <p:nvSpPr>
                 <p:cNvPr id="68" name="Oval 67">
@@ -6876,8 +6892,8 @@
             </p:sp>
           </mc:Fallback>
         </mc:AlternateContent>
-        <mc:AlternateContent xmlns:mc="http://schemas.openxmlformats.org/markup-compatibility/2006">
-          <mc:Choice xmlns:a14="http://schemas.microsoft.com/office/drawing/2010/main" Requires="a14">
+        <mc:AlternateContent xmlns:mc="http://schemas.openxmlformats.org/markup-compatibility/2006" xmlns:a14="http://schemas.microsoft.com/office/drawing/2010/main">
+          <mc:Choice Requires="a14">
             <p:sp>
               <p:nvSpPr>
                 <p:cNvPr id="69" name="Oval 68">
@@ -6992,7 +7008,7 @@
               </p:txBody>
             </p:sp>
           </mc:Choice>
-          <mc:Fallback>
+          <mc:Fallback xmlns="">
             <p:sp>
               <p:nvSpPr>
                 <p:cNvPr id="69" name="Oval 68">
@@ -7044,8 +7060,8 @@
             </p:sp>
           </mc:Fallback>
         </mc:AlternateContent>
-        <mc:AlternateContent xmlns:mc="http://schemas.openxmlformats.org/markup-compatibility/2006">
-          <mc:Choice xmlns:a14="http://schemas.microsoft.com/office/drawing/2010/main" Requires="a14">
+        <mc:AlternateContent xmlns:mc="http://schemas.openxmlformats.org/markup-compatibility/2006" xmlns:a14="http://schemas.microsoft.com/office/drawing/2010/main">
+          <mc:Choice Requires="a14">
             <p:sp>
               <p:nvSpPr>
                 <p:cNvPr id="70" name="Oval 69">
@@ -7160,7 +7176,7 @@
               </p:txBody>
             </p:sp>
           </mc:Choice>
-          <mc:Fallback>
+          <mc:Fallback xmlns="">
             <p:sp>
               <p:nvSpPr>
                 <p:cNvPr id="70" name="Oval 69">
@@ -7212,8 +7228,8 @@
             </p:sp>
           </mc:Fallback>
         </mc:AlternateContent>
-        <mc:AlternateContent xmlns:mc="http://schemas.openxmlformats.org/markup-compatibility/2006">
-          <mc:Choice xmlns:a14="http://schemas.microsoft.com/office/drawing/2010/main" Requires="a14">
+        <mc:AlternateContent xmlns:mc="http://schemas.openxmlformats.org/markup-compatibility/2006" xmlns:a14="http://schemas.microsoft.com/office/drawing/2010/main">
+          <mc:Choice Requires="a14">
             <p:sp>
               <p:nvSpPr>
                 <p:cNvPr id="71" name="Oval 70">
@@ -7328,7 +7344,7 @@
               </p:txBody>
             </p:sp>
           </mc:Choice>
-          <mc:Fallback>
+          <mc:Fallback xmlns="">
             <p:sp>
               <p:nvSpPr>
                 <p:cNvPr id="71" name="Oval 70">
